--- a/Logic App Scenario's 1.1.pptx
+++ b/Logic App Scenario's 1.1.pptx
@@ -2999,7 +2999,7 @@
         </p:spPr>
         <p:txBody>
           <a:bodyPr vert="horz" lIns="91440" tIns="45720" rIns="91440" bIns="45720" rtlCol="0">
-            <a:normAutofit fontScale="70000" lnSpcReduction="20000"/>
+            <a:normAutofit fontScale="62500" lnSpcReduction="20000"/>
           </a:bodyPr>
           <a:lstStyle>
             <a:lvl1pPr marL="0" indent="0" algn="ctr" defTabSz="914400" rtl="0" eaLnBrk="1" latinLnBrk="0" hangingPunct="1">
@@ -3413,7 +3413,7 @@
                   <a:srgbClr val="FFFF00"/>
                 </a:highlight>
               </a:rPr>
-              <a:t>What/where we adding?</a:t>
+              <a:t>What/where we adding? Is this a new entity?</a:t>
             </a:r>
           </a:p>
           <a:p>
@@ -3494,8 +3494,30 @@
             <a:pPr lvl="1"/>
             <a:r>
               <a:rPr lang="en-US" dirty="0"/>
-              <a:t>Add the information to Output Messages</a:t>
-            </a:r>
+              <a:t>Add the information to </a:t>
+            </a:r>
+            <a:r>
+              <a:rPr lang="en-US" dirty="0">
+                <a:highlight>
+                  <a:srgbClr val="FFFF00"/>
+                </a:highlight>
+              </a:rPr>
+              <a:t>Output Messages </a:t>
+            </a:r>
+            <a:r>
+              <a:rPr lang="en-US" dirty="0">
+                <a:highlight>
+                  <a:srgbClr val="FFFF00"/>
+                </a:highlight>
+                <a:sym typeface="Wingdings" panose="05000000000000000000" pitchFamily="2" charset="2"/>
+              </a:rPr>
+              <a:t> Storage Queue</a:t>
+            </a:r>
+            <a:endParaRPr lang="en-US" dirty="0">
+              <a:highlight>
+                <a:srgbClr val="FFFF00"/>
+              </a:highlight>
+            </a:endParaRPr>
           </a:p>
           <a:p>
             <a:pPr lvl="0"/>
@@ -3735,7 +3757,7 @@
           <a:graphicData uri="http://schemas.openxmlformats.org/presentationml/2006/ole">
             <mc:AlternateContent xmlns:mc="http://schemas.openxmlformats.org/markup-compatibility/2006">
               <mc:Choice xmlns:v="urn:schemas-microsoft-com:vml" Requires="v">
-                <p:oleObj spid="_x0000_s2188" name="Packager Shell Object" showAsIcon="1" r:id="rId3" imgW="1683720" imgH="630000" progId="Package">
+                <p:oleObj spid="_x0000_s2204" name="Packager Shell Object" showAsIcon="1" r:id="rId3" imgW="1683720" imgH="630000" progId="Package">
                   <p:embed/>
                 </p:oleObj>
               </mc:Choice>
@@ -3792,7 +3814,7 @@
           <a:graphicData uri="http://schemas.openxmlformats.org/presentationml/2006/ole">
             <mc:AlternateContent xmlns:mc="http://schemas.openxmlformats.org/markup-compatibility/2006">
               <mc:Choice xmlns:v="urn:schemas-microsoft-com:vml" Requires="v">
-                <p:oleObj spid="_x0000_s2189" name="Packager Shell Object" showAsIcon="1" r:id="rId5" imgW="2272680" imgH="532800" progId="Package">
+                <p:oleObj spid="_x0000_s2205" name="Packager Shell Object" showAsIcon="1" r:id="rId5" imgW="2272680" imgH="532800" progId="Package">
                   <p:embed/>
                 </p:oleObj>
               </mc:Choice>
@@ -3836,7 +3858,7 @@
           <p:nvPr>
             <p:extLst>
               <p:ext uri="{D42A27DB-BD31-4B8C-83A1-F6EECF244321}">
-                <p14:modId xmlns:p14="http://schemas.microsoft.com/office/powerpoint/2010/main" val="2705422003"/>
+                <p14:modId xmlns:p14="http://schemas.microsoft.com/office/powerpoint/2010/main" val="7790782"/>
               </p:ext>
             </p:extLst>
           </p:nvPr>
@@ -3849,7 +3871,7 @@
           <a:graphicData uri="http://schemas.openxmlformats.org/presentationml/2006/ole">
             <mc:AlternateContent xmlns:mc="http://schemas.openxmlformats.org/markup-compatibility/2006">
               <mc:Choice xmlns:v="urn:schemas-microsoft-com:vml" Requires="v">
-                <p:oleObj spid="_x0000_s2190" name="Packager Shell Object" showAsIcon="1" r:id="rId7" imgW="2156400" imgH="630000" progId="Package">
+                <p:oleObj spid="_x0000_s2206" name="Packager Shell Object" showAsIcon="1" r:id="rId7" imgW="2156400" imgH="630000" progId="Package">
                   <p:embed/>
                 </p:oleObj>
               </mc:Choice>
@@ -3893,7 +3915,7 @@
           <p:nvPr>
             <p:extLst>
               <p:ext uri="{D42A27DB-BD31-4B8C-83A1-F6EECF244321}">
-                <p14:modId xmlns:p14="http://schemas.microsoft.com/office/powerpoint/2010/main" val="3398169980"/>
+                <p14:modId xmlns:p14="http://schemas.microsoft.com/office/powerpoint/2010/main" val="2191307584"/>
               </p:ext>
             </p:extLst>
           </p:nvPr>
@@ -3906,7 +3928,7 @@
           <a:graphicData uri="http://schemas.openxmlformats.org/presentationml/2006/ole">
             <mc:AlternateContent xmlns:mc="http://schemas.openxmlformats.org/markup-compatibility/2006">
               <mc:Choice xmlns:v="urn:schemas-microsoft-com:vml" Requires="v">
-                <p:oleObj spid="_x0000_s2191" name="Packager Shell Object" showAsIcon="1" r:id="rId9" imgW="2202480" imgH="630000" progId="Package">
+                <p:oleObj spid="_x0000_s2207" name="Packager Shell Object" showAsIcon="1" r:id="rId9" imgW="2202480" imgH="630000" progId="Package">
                   <p:embed/>
                 </p:oleObj>
               </mc:Choice>
@@ -4760,7 +4782,7 @@
           <a:graphicData uri="http://schemas.openxmlformats.org/presentationml/2006/ole">
             <mc:AlternateContent xmlns:mc="http://schemas.openxmlformats.org/markup-compatibility/2006">
               <mc:Choice xmlns:v="urn:schemas-microsoft-com:vml" Requires="v">
-                <p:oleObj spid="_x0000_s4104" name="Packager Shell Object" showAsIcon="1" r:id="rId3" imgW="2124360" imgH="532800" progId="Package">
+                <p:oleObj spid="_x0000_s4106" name="Packager Shell Object" showAsIcon="1" r:id="rId3" imgW="2124360" imgH="532800" progId="Package">
                   <p:embed/>
                 </p:oleObj>
               </mc:Choice>
@@ -4817,7 +4839,7 @@
           <a:graphicData uri="http://schemas.openxmlformats.org/presentationml/2006/ole">
             <mc:AlternateContent xmlns:mc="http://schemas.openxmlformats.org/markup-compatibility/2006">
               <mc:Choice xmlns:v="urn:schemas-microsoft-com:vml" Requires="v">
-                <p:oleObj spid="_x0000_s4105" name="Packager Shell Object" showAsIcon="1" r:id="rId5" imgW="2124360" imgH="532800" progId="Package">
+                <p:oleObj spid="_x0000_s4107" name="Packager Shell Object" showAsIcon="1" r:id="rId5" imgW="2124360" imgH="532800" progId="Package">
                   <p:embed/>
                 </p:oleObj>
               </mc:Choice>
@@ -5817,7 +5839,7 @@
           <p:nvPr>
             <p:extLst>
               <p:ext uri="{D42A27DB-BD31-4B8C-83A1-F6EECF244321}">
-                <p14:modId xmlns:p14="http://schemas.microsoft.com/office/powerpoint/2010/main" val="4266588"/>
+                <p14:modId xmlns:p14="http://schemas.microsoft.com/office/powerpoint/2010/main" val="2206582290"/>
               </p:ext>
             </p:extLst>
           </p:nvPr>
@@ -5830,7 +5852,7 @@
           <a:graphicData uri="http://schemas.openxmlformats.org/presentationml/2006/ole">
             <mc:AlternateContent xmlns:mc="http://schemas.openxmlformats.org/markup-compatibility/2006">
               <mc:Choice xmlns:v="urn:schemas-microsoft-com:vml" Requires="v">
-                <p:oleObj spid="_x0000_s3098" name="Document" showAsIcon="1" r:id="rId3" imgW="914400" imgH="771480" progId="Word.Document.12">
+                <p:oleObj spid="_x0000_s3103" name="Document" showAsIcon="1" r:id="rId3" imgW="914400" imgH="771480" progId="Word.Document.12">
                   <p:embed/>
                 </p:oleObj>
               </mc:Choice>
@@ -8539,7 +8561,7 @@
           <p:nvPr>
             <p:extLst>
               <p:ext uri="{D42A27DB-BD31-4B8C-83A1-F6EECF244321}">
-                <p14:modId xmlns:p14="http://schemas.microsoft.com/office/powerpoint/2010/main" val="719960718"/>
+                <p14:modId xmlns:p14="http://schemas.microsoft.com/office/powerpoint/2010/main" val="3304834871"/>
               </p:ext>
             </p:extLst>
           </p:nvPr>
@@ -8552,7 +8574,7 @@
           <a:graphicData uri="http://schemas.openxmlformats.org/presentationml/2006/ole">
             <mc:AlternateContent xmlns:mc="http://schemas.openxmlformats.org/markup-compatibility/2006">
               <mc:Choice xmlns:v="urn:schemas-microsoft-com:vml" Requires="v">
-                <p:oleObj spid="_x0000_s1134" name="Packager Shell Object" showAsIcon="1" r:id="rId3" imgW="2075760" imgH="630000" progId="Package">
+                <p:oleObj spid="_x0000_s1146" name="Packager Shell Object" showAsIcon="1" r:id="rId3" imgW="2075760" imgH="630000" progId="Package">
                   <p:embed/>
                 </p:oleObj>
               </mc:Choice>
@@ -8609,7 +8631,7 @@
           <a:graphicData uri="http://schemas.openxmlformats.org/presentationml/2006/ole">
             <mc:AlternateContent xmlns:mc="http://schemas.openxmlformats.org/markup-compatibility/2006">
               <mc:Choice xmlns:v="urn:schemas-microsoft-com:vml" Requires="v">
-                <p:oleObj spid="_x0000_s1135" name="Packager Shell Object" showAsIcon="1" r:id="rId5" imgW="1937160" imgH="630000" progId="Package">
+                <p:oleObj spid="_x0000_s1147" name="Packager Shell Object" showAsIcon="1" r:id="rId5" imgW="1937160" imgH="630000" progId="Package">
                   <p:embed/>
                 </p:oleObj>
               </mc:Choice>
@@ -8666,7 +8688,7 @@
           <a:graphicData uri="http://schemas.openxmlformats.org/presentationml/2006/ole">
             <mc:AlternateContent xmlns:mc="http://schemas.openxmlformats.org/markup-compatibility/2006">
               <mc:Choice xmlns:v="urn:schemas-microsoft-com:vml" Requires="v">
-                <p:oleObj spid="_x0000_s1136" name="Packager Shell Object" showAsIcon="1" r:id="rId7" imgW="2190960" imgH="630000" progId="Package">
+                <p:oleObj spid="_x0000_s1148" name="Packager Shell Object" showAsIcon="1" r:id="rId7" imgW="2190960" imgH="630000" progId="Package">
                   <p:embed/>
                 </p:oleObj>
               </mc:Choice>
